--- a/CLS AND CTS.pptx
+++ b/CLS AND CTS.pptx
@@ -290,7 +290,7 @@
             <a:fld id="{0868F27B-F073-4281-BEFD-06C082B53B6E}" type="datetimeFigureOut">
               <a:rPr lang="en-US" smtClean="0"/>
               <a:pPr/>
-              <a:t>3/11/2014</a:t>
+              <a:t>4/19/2019</a:t>
             </a:fld>
             <a:endParaRPr lang="en-US"/>
           </a:p>
@@ -457,7 +457,7 @@
             <a:fld id="{0868F27B-F073-4281-BEFD-06C082B53B6E}" type="datetimeFigureOut">
               <a:rPr lang="en-US" smtClean="0"/>
               <a:pPr/>
-              <a:t>3/11/2014</a:t>
+              <a:t>4/19/2019</a:t>
             </a:fld>
             <a:endParaRPr lang="en-US"/>
           </a:p>
@@ -634,7 +634,7 @@
             <a:fld id="{0868F27B-F073-4281-BEFD-06C082B53B6E}" type="datetimeFigureOut">
               <a:rPr lang="en-US" smtClean="0"/>
               <a:pPr/>
-              <a:t>3/11/2014</a:t>
+              <a:t>4/19/2019</a:t>
             </a:fld>
             <a:endParaRPr lang="en-US"/>
           </a:p>
@@ -801,7 +801,7 @@
             <a:fld id="{0868F27B-F073-4281-BEFD-06C082B53B6E}" type="datetimeFigureOut">
               <a:rPr lang="en-US" smtClean="0"/>
               <a:pPr/>
-              <a:t>3/11/2014</a:t>
+              <a:t>4/19/2019</a:t>
             </a:fld>
             <a:endParaRPr lang="en-US"/>
           </a:p>
@@ -1045,7 +1045,7 @@
             <a:fld id="{0868F27B-F073-4281-BEFD-06C082B53B6E}" type="datetimeFigureOut">
               <a:rPr lang="en-US" smtClean="0"/>
               <a:pPr/>
-              <a:t>3/11/2014</a:t>
+              <a:t>4/19/2019</a:t>
             </a:fld>
             <a:endParaRPr lang="en-US"/>
           </a:p>
@@ -1311,7 +1311,7 @@
             <a:fld id="{0868F27B-F073-4281-BEFD-06C082B53B6E}" type="datetimeFigureOut">
               <a:rPr lang="en-US" smtClean="0"/>
               <a:pPr/>
-              <a:t>3/11/2014</a:t>
+              <a:t>4/19/2019</a:t>
             </a:fld>
             <a:endParaRPr lang="en-US"/>
           </a:p>
@@ -1691,7 +1691,7 @@
             <a:fld id="{0868F27B-F073-4281-BEFD-06C082B53B6E}" type="datetimeFigureOut">
               <a:rPr lang="en-US" smtClean="0"/>
               <a:pPr/>
-              <a:t>3/11/2014</a:t>
+              <a:t>4/19/2019</a:t>
             </a:fld>
             <a:endParaRPr lang="en-US"/>
           </a:p>
@@ -1843,7 +1843,7 @@
             <a:fld id="{0868F27B-F073-4281-BEFD-06C082B53B6E}" type="datetimeFigureOut">
               <a:rPr lang="en-US" smtClean="0"/>
               <a:pPr/>
-              <a:t>3/11/2014</a:t>
+              <a:t>4/19/2019</a:t>
             </a:fld>
             <a:endParaRPr lang="en-US"/>
           </a:p>
@@ -1935,7 +1935,7 @@
             <a:fld id="{0868F27B-F073-4281-BEFD-06C082B53B6E}" type="datetimeFigureOut">
               <a:rPr lang="en-US" smtClean="0"/>
               <a:pPr/>
-              <a:t>3/11/2014</a:t>
+              <a:t>4/19/2019</a:t>
             </a:fld>
             <a:endParaRPr lang="en-US"/>
           </a:p>
@@ -2198,7 +2198,7 @@
             <a:fld id="{0868F27B-F073-4281-BEFD-06C082B53B6E}" type="datetimeFigureOut">
               <a:rPr lang="en-US" smtClean="0"/>
               <a:pPr/>
-              <a:t>3/11/2014</a:t>
+              <a:t>4/19/2019</a:t>
             </a:fld>
             <a:endParaRPr lang="en-US"/>
           </a:p>
@@ -2488,7 +2488,7 @@
             <a:fld id="{0868F27B-F073-4281-BEFD-06C082B53B6E}" type="datetimeFigureOut">
               <a:rPr lang="en-US" smtClean="0"/>
               <a:pPr/>
-              <a:t>3/11/2014</a:t>
+              <a:t>4/19/2019</a:t>
             </a:fld>
             <a:endParaRPr lang="en-US"/>
           </a:p>
@@ -3261,7 +3261,7 @@
             <a:fld id="{0868F27B-F073-4281-BEFD-06C082B53B6E}" type="datetimeFigureOut">
               <a:rPr lang="en-US" smtClean="0"/>
               <a:pPr/>
-              <a:t>3/11/2014</a:t>
+              <a:t>4/19/2019</a:t>
             </a:fld>
             <a:endParaRPr lang="en-US"/>
           </a:p>
@@ -3980,7 +3980,7 @@
               </a:rPr>
             </a:br>
             <a:r>
-              <a:rPr lang="en-US" sz="8000" dirty="0">
+              <a:rPr lang="en-US" sz="8000">
                 <a:solidFill>
                   <a:srgbClr val="002060"/>
                 </a:solidFill>
@@ -3989,57 +3989,13 @@
               <a:t> </a:t>
             </a:r>
             <a:r>
-              <a:rPr lang="en-US" sz="8000" dirty="0" smtClean="0">
+              <a:rPr lang="en-US" sz="8000" smtClean="0">
                 <a:solidFill>
                   <a:srgbClr val="002060"/>
                 </a:solidFill>
                 <a:latin typeface="Algerian" pitchFamily="82" charset="0"/>
               </a:rPr>
               <a:t>                        </a:t>
-            </a:r>
-            <a:r>
-              <a:rPr lang="en-US" sz="6000" dirty="0" smtClean="0">
-                <a:solidFill>
-                  <a:srgbClr val="002060"/>
-                </a:solidFill>
-                <a:latin typeface="Algerian" pitchFamily="82" charset="0"/>
-              </a:rPr>
-              <a:t>BY</a:t>
-            </a:r>
-            <a:r>
-              <a:rPr lang="en-US" sz="8000" dirty="0" smtClean="0">
-                <a:solidFill>
-                  <a:srgbClr val="002060"/>
-                </a:solidFill>
-                <a:latin typeface="Algerian" pitchFamily="82" charset="0"/>
-              </a:rPr>
-              <a:t/>
-            </a:r>
-            <a:br>
-              <a:rPr lang="en-US" sz="8000" dirty="0" smtClean="0">
-                <a:solidFill>
-                  <a:srgbClr val="002060"/>
-                </a:solidFill>
-                <a:latin typeface="Algerian" pitchFamily="82" charset="0"/>
-              </a:rPr>
-            </a:br>
-            <a:r>
-              <a:rPr lang="en-US" sz="8000" dirty="0" smtClean="0">
-                <a:solidFill>
-                  <a:srgbClr val="002060"/>
-                </a:solidFill>
-                <a:latin typeface="Algerian" pitchFamily="82" charset="0"/>
-              </a:rPr>
-              <a:t>                        </a:t>
-            </a:r>
-            <a:r>
-              <a:rPr lang="en-US" sz="3100" dirty="0" smtClean="0">
-                <a:solidFill>
-                  <a:srgbClr val="002060"/>
-                </a:solidFill>
-                <a:latin typeface="Algerian" pitchFamily="82" charset="0"/>
-              </a:rPr>
-              <a:t>SK.SUSHMA</a:t>
             </a:r>
             <a:endParaRPr lang="en-US" sz="3100" dirty="0">
               <a:solidFill>
@@ -4053,7 +4009,7 @@
     </p:spTree>
     <p:extLst>
       <p:ext uri="{BB962C8B-B14F-4D97-AF65-F5344CB8AC3E}">
-        <p14:creationId xmlns:p14="http://schemas.microsoft.com/office/powerpoint/2010/main" xmlns="" val="3520574095"/>
+        <p14:creationId xmlns:p14="http://schemas.microsoft.com/office/powerpoint/2010/main" val="3520574095"/>
       </p:ext>
     </p:extLst>
   </p:cSld>
@@ -4124,7 +4080,7 @@
     </p:spTree>
     <p:extLst>
       <p:ext uri="{BB962C8B-B14F-4D97-AF65-F5344CB8AC3E}">
-        <p14:creationId xmlns:p14="http://schemas.microsoft.com/office/powerpoint/2010/main" xmlns="" val="3871267571"/>
+        <p14:creationId xmlns:p14="http://schemas.microsoft.com/office/powerpoint/2010/main" val="3871267571"/>
       </p:ext>
     </p:extLst>
   </p:cSld>
@@ -4170,7 +4126,7 @@
           <a:blip r:embed="rId2" cstate="print">
             <a:extLst>
               <a:ext uri="{28A0092B-C50C-407E-A947-70E740481C1C}">
-                <a14:useLocalDpi xmlns:a14="http://schemas.microsoft.com/office/drawing/2010/main" xmlns="" val="0"/>
+                <a14:useLocalDpi xmlns:a14="http://schemas.microsoft.com/office/drawing/2010/main" val="0"/>
               </a:ext>
             </a:extLst>
           </a:blip>
@@ -4194,14 +4150,14 @@
           <a:effectLst/>
           <a:extLst>
             <a:ext uri="{909E8E84-426E-40DD-AFC4-6F175D3DCCD1}">
-              <a14:hiddenFill xmlns:a14="http://schemas.microsoft.com/office/drawing/2010/main" xmlns="">
+              <a14:hiddenFill xmlns:a14="http://schemas.microsoft.com/office/drawing/2010/main">
                 <a:solidFill>
                   <a:schemeClr val="accent1"/>
                 </a:solidFill>
               </a14:hiddenFill>
             </a:ext>
             <a:ext uri="{91240B29-F687-4F45-9708-019B960494DF}">
-              <a14:hiddenLine xmlns:a14="http://schemas.microsoft.com/office/drawing/2010/main" xmlns="" w="9525">
+              <a14:hiddenLine xmlns:a14="http://schemas.microsoft.com/office/drawing/2010/main" w="9525">
                 <a:solidFill>
                   <a:schemeClr val="tx1"/>
                 </a:solidFill>
@@ -4211,7 +4167,7 @@
               </a14:hiddenLine>
             </a:ext>
             <a:ext uri="{AF507438-7753-43E0-B8FC-AC1667EBCBE1}">
-              <a14:hiddenEffects xmlns:a14="http://schemas.microsoft.com/office/drawing/2010/main" xmlns="">
+              <a14:hiddenEffects xmlns:a14="http://schemas.microsoft.com/office/drawing/2010/main">
                 <a:effectLst>
                   <a:outerShdw dist="35921" dir="2700000" algn="ctr" rotWithShape="0">
                     <a:schemeClr val="bg2"/>
@@ -4225,7 +4181,7 @@
     </p:spTree>
     <p:extLst>
       <p:ext uri="{BB962C8B-B14F-4D97-AF65-F5344CB8AC3E}">
-        <p14:creationId xmlns:p14="http://schemas.microsoft.com/office/powerpoint/2010/main" xmlns="" val="770015504"/>
+        <p14:creationId xmlns:p14="http://schemas.microsoft.com/office/powerpoint/2010/main" val="770015504"/>
       </p:ext>
     </p:extLst>
   </p:cSld>
@@ -4344,7 +4300,7 @@
     </p:spTree>
     <p:extLst>
       <p:ext uri="{BB962C8B-B14F-4D97-AF65-F5344CB8AC3E}">
-        <p14:creationId xmlns:p14="http://schemas.microsoft.com/office/powerpoint/2010/main" xmlns="" val="614748995"/>
+        <p14:creationId xmlns:p14="http://schemas.microsoft.com/office/powerpoint/2010/main" val="614748995"/>
       </p:ext>
     </p:extLst>
   </p:cSld>
@@ -4631,7 +4587,7 @@
     </p:spTree>
     <p:extLst>
       <p:ext uri="{BB962C8B-B14F-4D97-AF65-F5344CB8AC3E}">
-        <p14:creationId xmlns:p14="http://schemas.microsoft.com/office/powerpoint/2010/main" xmlns="" val="434492480"/>
+        <p14:creationId xmlns:p14="http://schemas.microsoft.com/office/powerpoint/2010/main" val="434492480"/>
       </p:ext>
     </p:extLst>
   </p:cSld>
@@ -4677,7 +4633,7 @@
           <a:blip r:embed="rId2" cstate="print">
             <a:extLst>
               <a:ext uri="{28A0092B-C50C-407E-A947-70E740481C1C}">
-                <a14:useLocalDpi xmlns:a14="http://schemas.microsoft.com/office/drawing/2010/main" xmlns="" val="0"/>
+                <a14:useLocalDpi xmlns:a14="http://schemas.microsoft.com/office/drawing/2010/main" val="0"/>
               </a:ext>
             </a:extLst>
           </a:blip>
@@ -4697,7 +4653,7 @@
           <a:noFill/>
           <a:extLst>
             <a:ext uri="{909E8E84-426E-40DD-AFC4-6F175D3DCCD1}">
-              <a14:hiddenFill xmlns:a14="http://schemas.microsoft.com/office/drawing/2010/main" xmlns="">
+              <a14:hiddenFill xmlns:a14="http://schemas.microsoft.com/office/drawing/2010/main">
                 <a:solidFill>
                   <a:srgbClr val="FFFFFF"/>
                 </a:solidFill>
@@ -4709,7 +4665,7 @@
     </p:spTree>
     <p:extLst>
       <p:ext uri="{BB962C8B-B14F-4D97-AF65-F5344CB8AC3E}">
-        <p14:creationId xmlns:p14="http://schemas.microsoft.com/office/powerpoint/2010/main" xmlns="" val="1705251476"/>
+        <p14:creationId xmlns:p14="http://schemas.microsoft.com/office/powerpoint/2010/main" val="1705251476"/>
       </p:ext>
     </p:extLst>
   </p:cSld>
@@ -4811,7 +4767,7 @@
     </p:spTree>
     <p:extLst>
       <p:ext uri="{BB962C8B-B14F-4D97-AF65-F5344CB8AC3E}">
-        <p14:creationId xmlns:p14="http://schemas.microsoft.com/office/powerpoint/2010/main" xmlns="" val="1531385161"/>
+        <p14:creationId xmlns:p14="http://schemas.microsoft.com/office/powerpoint/2010/main" val="1531385161"/>
       </p:ext>
     </p:extLst>
   </p:cSld>
@@ -4942,7 +4898,7 @@
     </p:spTree>
     <p:extLst>
       <p:ext uri="{BB962C8B-B14F-4D97-AF65-F5344CB8AC3E}">
-        <p14:creationId xmlns:p14="http://schemas.microsoft.com/office/powerpoint/2010/main" xmlns="" val="213047312"/>
+        <p14:creationId xmlns:p14="http://schemas.microsoft.com/office/powerpoint/2010/main" val="213047312"/>
       </p:ext>
     </p:extLst>
   </p:cSld>
@@ -5100,7 +5056,7 @@
     </p:spTree>
     <p:extLst>
       <p:ext uri="{BB962C8B-B14F-4D97-AF65-F5344CB8AC3E}">
-        <p14:creationId xmlns:p14="http://schemas.microsoft.com/office/powerpoint/2010/main" xmlns="" val="4220641832"/>
+        <p14:creationId xmlns:p14="http://schemas.microsoft.com/office/powerpoint/2010/main" val="4220641832"/>
       </p:ext>
     </p:extLst>
   </p:cSld>
@@ -5528,7 +5484,7 @@
     </p:spTree>
     <p:extLst>
       <p:ext uri="{BB962C8B-B14F-4D97-AF65-F5344CB8AC3E}">
-        <p14:creationId xmlns:p14="http://schemas.microsoft.com/office/powerpoint/2010/main" xmlns="" val="875784926"/>
+        <p14:creationId xmlns:p14="http://schemas.microsoft.com/office/powerpoint/2010/main" val="875784926"/>
       </p:ext>
     </p:extLst>
   </p:cSld>
